--- a/Team16 (Куценко, Герасимов)/Garbage Collector.pptx
+++ b/Team16 (Куценко, Герасимов)/Garbage Collector.pptx
@@ -28,8 +28,10 @@
     <p:sldId id="272" r:id="rId22"/>
     <p:sldId id="273" r:id="rId23"/>
     <p:sldId id="274" r:id="rId24"/>
-    <p:sldId id="275" r:id="rId25"/>
-    <p:sldId id="258" r:id="rId26"/>
+    <p:sldId id="281" r:id="rId25"/>
+    <p:sldId id="282" r:id="rId26"/>
+    <p:sldId id="275" r:id="rId27"/>
+    <p:sldId id="258" r:id="rId28"/>
   </p:sldIdLst>
   <p:sldSz cx="12192000" cy="6858000"/>
   <p:notesSz cx="6858000" cy="9144000"/>
@@ -142,6 +144,7 @@
     <p1510:client id="{095B1B2A-0382-4044-9636-82177EEBE3B4}" v="16" dt="2025-12-06T08:43:24.327"/>
     <p1510:client id="{3C7D9F83-FDA4-4FE0-AF9A-B62D782651FF}" v="2548" dt="2025-12-05T08:10:51.668"/>
     <p1510:client id="{7C1DE9F8-EE3F-4207-947A-118BFB6FC5B9}" v="264" dt="2025-12-05T12:17:42.169"/>
+    <p1510:client id="{BE541050-14C1-409B-89DF-4EAC3E680355}" v="40" dt="2025-12-06T11:43:55.429"/>
   </p1510:revLst>
 </p1510:revInfo>
 </file>
@@ -6333,7 +6336,7 @@
             <a:pPr algn="ctr"/>
             <a:r>
               <a:rPr lang="ru-RU" dirty="0"/>
-              <a:t>Исправленный пример</a:t>
+              <a:t>Исправленный пример 1</a:t>
             </a:r>
           </a:p>
         </p:txBody>
@@ -6467,6 +6470,188 @@
           <p:cNvPr id="2" name="Заголовок 1">
             <a:extLst>
               <a:ext uri="{FF2B5EF4-FFF2-40B4-BE49-F238E27FC236}">
+                <a16:creationId xmlns:a16="http://schemas.microsoft.com/office/drawing/2014/main" id="{5A8AFC8B-C850-C2F3-AF55-89D571C8FB7C}"/>
+              </a:ext>
+            </a:extLst>
+          </p:cNvPr>
+          <p:cNvSpPr>
+            <a:spLocks noGrp="1"/>
+          </p:cNvSpPr>
+          <p:nvPr>
+            <p:ph type="title"/>
+          </p:nvPr>
+        </p:nvSpPr>
+        <p:spPr/>
+        <p:txBody>
+          <a:bodyPr/>
+          <a:lstStyle/>
+          <a:p>
+            <a:pPr algn="ctr"/>
+            <a:r>
+              <a:rPr lang="ru-RU" dirty="0"/>
+              <a:t>Пример 2</a:t>
+            </a:r>
+          </a:p>
+        </p:txBody>
+      </p:sp>
+      <p:pic>
+        <p:nvPicPr>
+          <p:cNvPr id="4" name="Объект 3" descr="Изображение выглядит как текст, снимок экрана, Шрифт&#10;&#10;Содержимое, созданное искусственным интеллектом, может быть неверным.">
+            <a:extLst>
+              <a:ext uri="{FF2B5EF4-FFF2-40B4-BE49-F238E27FC236}">
+                <a16:creationId xmlns:a16="http://schemas.microsoft.com/office/drawing/2014/main" id="{A5BCCEA2-C170-5241-0CC9-838B842659EA}"/>
+              </a:ext>
+            </a:extLst>
+          </p:cNvPr>
+          <p:cNvPicPr>
+            <a:picLocks noGrp="1" noChangeAspect="1"/>
+          </p:cNvPicPr>
+          <p:nvPr>
+            <p:ph idx="1"/>
+          </p:nvPr>
+        </p:nvPicPr>
+        <p:blipFill>
+          <a:blip r:embed="rId2"/>
+          <a:stretch>
+            <a:fillRect/>
+          </a:stretch>
+        </p:blipFill>
+        <p:spPr>
+          <a:xfrm>
+            <a:off x="777875" y="1966119"/>
+            <a:ext cx="10623550" cy="4006850"/>
+          </a:xfrm>
+          <a:prstGeom prst="rect">
+            <a:avLst/>
+          </a:prstGeom>
+        </p:spPr>
+      </p:pic>
+    </p:spTree>
+    <p:extLst>
+      <p:ext uri="{BB962C8B-B14F-4D97-AF65-F5344CB8AC3E}">
+        <p14:creationId xmlns:p14="http://schemas.microsoft.com/office/powerpoint/2010/main" val="3310133339"/>
+      </p:ext>
+    </p:extLst>
+  </p:cSld>
+  <p:clrMapOvr>
+    <a:masterClrMapping/>
+  </p:clrMapOvr>
+</p:sld>
+</file>
+
+<file path=ppt/slides/slide25.xml><?xml version="1.0" encoding="utf-8"?>
+<p:sld xmlns:a="http://schemas.openxmlformats.org/drawingml/2006/main" xmlns:r="http://schemas.openxmlformats.org/officeDocument/2006/relationships" xmlns:p="http://schemas.openxmlformats.org/presentationml/2006/main">
+  <p:cSld>
+    <p:spTree>
+      <p:nvGrpSpPr>
+        <p:cNvPr id="1" name=""/>
+        <p:cNvGrpSpPr/>
+        <p:nvPr/>
+      </p:nvGrpSpPr>
+      <p:grpSpPr>
+        <a:xfrm>
+          <a:off x="0" y="0"/>
+          <a:ext cx="0" cy="0"/>
+          <a:chOff x="0" y="0"/>
+          <a:chExt cx="0" cy="0"/>
+        </a:xfrm>
+      </p:grpSpPr>
+      <p:sp>
+        <p:nvSpPr>
+          <p:cNvPr id="2" name="Заголовок 1">
+            <a:extLst>
+              <a:ext uri="{FF2B5EF4-FFF2-40B4-BE49-F238E27FC236}">
+                <a16:creationId xmlns:a16="http://schemas.microsoft.com/office/drawing/2014/main" id="{11E0ED57-2BB4-991A-EE75-53527472CC7B}"/>
+              </a:ext>
+            </a:extLst>
+          </p:cNvPr>
+          <p:cNvSpPr>
+            <a:spLocks noGrp="1"/>
+          </p:cNvSpPr>
+          <p:nvPr>
+            <p:ph type="title"/>
+          </p:nvPr>
+        </p:nvSpPr>
+        <p:spPr/>
+        <p:txBody>
+          <a:bodyPr/>
+          <a:lstStyle/>
+          <a:p>
+            <a:pPr algn="ctr"/>
+            <a:r>
+              <a:rPr lang="ru-RU" dirty="0"/>
+              <a:t>Исправленный пример 2</a:t>
+            </a:r>
+          </a:p>
+        </p:txBody>
+      </p:sp>
+      <p:pic>
+        <p:nvPicPr>
+          <p:cNvPr id="4" name="Объект 3" descr="Изображение выглядит как текст, снимок экрана, Шрифт">
+            <a:extLst>
+              <a:ext uri="{FF2B5EF4-FFF2-40B4-BE49-F238E27FC236}">
+                <a16:creationId xmlns:a16="http://schemas.microsoft.com/office/drawing/2014/main" id="{0BE0BA4C-355E-6692-AFB0-4DC45DA7D664}"/>
+              </a:ext>
+            </a:extLst>
+          </p:cNvPr>
+          <p:cNvPicPr>
+            <a:picLocks noGrp="1" noChangeAspect="1"/>
+          </p:cNvPicPr>
+          <p:nvPr>
+            <p:ph idx="1"/>
+          </p:nvPr>
+        </p:nvPicPr>
+        <p:blipFill>
+          <a:blip r:embed="rId2"/>
+          <a:stretch>
+            <a:fillRect/>
+          </a:stretch>
+        </p:blipFill>
+        <p:spPr>
+          <a:xfrm>
+            <a:off x="1643191" y="1713878"/>
+            <a:ext cx="8926211" cy="4461561"/>
+          </a:xfrm>
+          <a:prstGeom prst="rect">
+            <a:avLst/>
+          </a:prstGeom>
+        </p:spPr>
+      </p:pic>
+    </p:spTree>
+    <p:extLst>
+      <p:ext uri="{BB962C8B-B14F-4D97-AF65-F5344CB8AC3E}">
+        <p14:creationId xmlns:p14="http://schemas.microsoft.com/office/powerpoint/2010/main" val="537758969"/>
+      </p:ext>
+    </p:extLst>
+  </p:cSld>
+  <p:clrMapOvr>
+    <a:masterClrMapping/>
+  </p:clrMapOvr>
+</p:sld>
+</file>
+
+<file path=ppt/slides/slide26.xml><?xml version="1.0" encoding="utf-8"?>
+<p:sld xmlns:a="http://schemas.openxmlformats.org/drawingml/2006/main" xmlns:r="http://schemas.openxmlformats.org/officeDocument/2006/relationships" xmlns:p="http://schemas.openxmlformats.org/presentationml/2006/main">
+  <p:cSld>
+    <p:spTree>
+      <p:nvGrpSpPr>
+        <p:cNvPr id="1" name=""/>
+        <p:cNvGrpSpPr/>
+        <p:nvPr/>
+      </p:nvGrpSpPr>
+      <p:grpSpPr>
+        <a:xfrm>
+          <a:off x="0" y="0"/>
+          <a:ext cx="0" cy="0"/>
+          <a:chOff x="0" y="0"/>
+          <a:chExt cx="0" cy="0"/>
+        </a:xfrm>
+      </p:grpSpPr>
+      <p:sp>
+        <p:nvSpPr>
+          <p:cNvPr id="2" name="Заголовок 1">
+            <a:extLst>
+              <a:ext uri="{FF2B5EF4-FFF2-40B4-BE49-F238E27FC236}">
                 <a16:creationId xmlns:a16="http://schemas.microsoft.com/office/drawing/2014/main" id="{85BF8286-5087-C905-3C10-1DA4B7F274C8}"/>
               </a:ext>
             </a:extLst>
@@ -6486,7 +6671,7 @@
             <a:pPr algn="ctr"/>
             <a:r>
               <a:rPr lang="ru-RU" dirty="0"/>
-              <a:t>Пример 2</a:t>
+              <a:t>Пример 3</a:t>
             </a:r>
           </a:p>
         </p:txBody>
@@ -6536,7 +6721,7 @@
 </p:sld>
 </file>
 
-<file path=ppt/slides/slide25.xml><?xml version="1.0" encoding="utf-8"?>
+<file path=ppt/slides/slide27.xml><?xml version="1.0" encoding="utf-8"?>
 <p:sld xmlns:a="http://schemas.openxmlformats.org/drawingml/2006/main" xmlns:r="http://schemas.openxmlformats.org/officeDocument/2006/relationships" xmlns:p="http://schemas.openxmlformats.org/presentationml/2006/main">
   <p:cSld>
     <p:spTree>
